--- a/MySlides.pptx
+++ b/MySlides.pptx
@@ -6,6 +6,19 @@
   </p:sldMasterIdLst>
   <p:sldIdLst>
     <p:sldId id="256" r:id="rId2"/>
+    <p:sldId id="258" r:id="rId3"/>
+    <p:sldId id="257" r:id="rId4"/>
+    <p:sldId id="259" r:id="rId5"/>
+    <p:sldId id="260" r:id="rId6"/>
+    <p:sldId id="261" r:id="rId7"/>
+    <p:sldId id="262" r:id="rId8"/>
+    <p:sldId id="263" r:id="rId9"/>
+    <p:sldId id="264" r:id="rId10"/>
+    <p:sldId id="265" r:id="rId11"/>
+    <p:sldId id="266" r:id="rId12"/>
+    <p:sldId id="267" r:id="rId13"/>
+    <p:sldId id="268" r:id="rId14"/>
+    <p:sldId id="269" r:id="rId15"/>
   </p:sldIdLst>
   <p:sldSz cx="12192000" cy="6858000"/>
   <p:notesSz cx="6858000" cy="9144000"/>
@@ -104,6 +117,11 @@
       </a:defRPr>
     </a:lvl9pPr>
   </p:defaultTextStyle>
+  <p:extLst>
+    <p:ext uri="{EFAFB233-063F-42B5-8137-9DF3F51BA10A}">
+      <p15:sldGuideLst xmlns:p15="http://schemas.microsoft.com/office/powerpoint/2012/main"/>
+    </p:ext>
+  </p:extLst>
 </p:presentation>
 </file>
 
@@ -293,7 +311,7 @@
           <a:p>
             <a:fld id="{4AAD347D-5ACD-4C99-B74B-A9C85AD731AF}" type="datetimeFigureOut">
               <a:rPr lang="en-US" dirty="0"/>
-              <a:t>1/9/25</a:t>
+              <a:t>1/10/25</a:t>
             </a:fld>
             <a:endParaRPr lang="en-US" dirty="0"/>
           </a:p>
@@ -563,7 +581,7 @@
           <a:p>
             <a:fld id="{4509A250-FF31-4206-8172-F9D3106AACB1}" type="datetimeFigureOut">
               <a:rPr lang="en-US" dirty="0"/>
-              <a:t>1/9/25</a:t>
+              <a:t>1/10/25</a:t>
             </a:fld>
             <a:endParaRPr lang="en-US" dirty="0"/>
           </a:p>
@@ -752,7 +770,7 @@
           <a:p>
             <a:fld id="{4509A250-FF31-4206-8172-F9D3106AACB1}" type="datetimeFigureOut">
               <a:rPr lang="en-US" dirty="0"/>
-              <a:t>1/9/25</a:t>
+              <a:t>1/10/25</a:t>
             </a:fld>
             <a:endParaRPr lang="en-US" dirty="0"/>
           </a:p>
@@ -1020,7 +1038,7 @@
           <a:p>
             <a:fld id="{4509A250-FF31-4206-8172-F9D3106AACB1}" type="datetimeFigureOut">
               <a:rPr lang="en-US" dirty="0"/>
-              <a:t>1/9/25</a:t>
+              <a:t>1/10/25</a:t>
             </a:fld>
             <a:endParaRPr lang="en-US" dirty="0"/>
           </a:p>
@@ -1356,7 +1374,7 @@
           <a:p>
             <a:fld id="{4509A250-FF31-4206-8172-F9D3106AACB1}" type="datetimeFigureOut">
               <a:rPr lang="en-US" dirty="0"/>
-              <a:t>1/9/25</a:t>
+              <a:t>1/10/25</a:t>
             </a:fld>
             <a:endParaRPr lang="en-US" dirty="0"/>
           </a:p>
@@ -1974,7 +1992,7 @@
           <a:p>
             <a:fld id="{4509A250-FF31-4206-8172-F9D3106AACB1}" type="datetimeFigureOut">
               <a:rPr lang="en-US" dirty="0"/>
-              <a:t>1/9/25</a:t>
+              <a:t>1/10/25</a:t>
             </a:fld>
             <a:endParaRPr lang="en-US" dirty="0"/>
           </a:p>
@@ -2829,7 +2847,7 @@
           <a:p>
             <a:fld id="{4509A250-FF31-4206-8172-F9D3106AACB1}" type="datetimeFigureOut">
               <a:rPr lang="en-US" dirty="0"/>
-              <a:t>1/9/25</a:t>
+              <a:t>1/10/25</a:t>
             </a:fld>
             <a:endParaRPr lang="en-US" dirty="0"/>
           </a:p>
@@ -2994,7 +3012,7 @@
           <a:p>
             <a:fld id="{4509A250-FF31-4206-8172-F9D3106AACB1}" type="datetimeFigureOut">
               <a:rPr lang="en-US" dirty="0"/>
-              <a:t>1/9/25</a:t>
+              <a:t>1/10/25</a:t>
             </a:fld>
             <a:endParaRPr lang="en-US" dirty="0"/>
           </a:p>
@@ -3169,7 +3187,7 @@
           <a:p>
             <a:fld id="{4509A250-FF31-4206-8172-F9D3106AACB1}" type="datetimeFigureOut">
               <a:rPr lang="en-US" dirty="0"/>
-              <a:t>1/9/25</a:t>
+              <a:t>1/10/25</a:t>
             </a:fld>
             <a:endParaRPr lang="en-US" dirty="0"/>
           </a:p>
@@ -3334,7 +3352,7 @@
           <a:p>
             <a:fld id="{4509A250-FF31-4206-8172-F9D3106AACB1}" type="datetimeFigureOut">
               <a:rPr lang="en-US" dirty="0"/>
-              <a:t>1/9/25</a:t>
+              <a:t>1/10/25</a:t>
             </a:fld>
             <a:endParaRPr lang="en-US" dirty="0"/>
           </a:p>
@@ -3576,7 +3594,7 @@
           <a:p>
             <a:fld id="{9796027F-7875-4030-9381-8BD8C4F21935}" type="datetimeFigureOut">
               <a:rPr lang="en-US" dirty="0"/>
-              <a:t>1/9/25</a:t>
+              <a:t>1/10/25</a:t>
             </a:fld>
             <a:endParaRPr lang="en-US" dirty="0"/>
           </a:p>
@@ -3863,7 +3881,7 @@
           <a:p>
             <a:fld id="{9796027F-7875-4030-9381-8BD8C4F21935}" type="datetimeFigureOut">
               <a:rPr lang="en-US" dirty="0"/>
-              <a:t>1/9/25</a:t>
+              <a:t>1/10/25</a:t>
             </a:fld>
             <a:endParaRPr lang="en-US" dirty="0"/>
           </a:p>
@@ -4302,7 +4320,7 @@
           <a:p>
             <a:fld id="{9796027F-7875-4030-9381-8BD8C4F21935}" type="datetimeFigureOut">
               <a:rPr lang="en-US" dirty="0"/>
-              <a:t>1/9/25</a:t>
+              <a:t>1/10/25</a:t>
             </a:fld>
             <a:endParaRPr lang="en-US" dirty="0"/>
           </a:p>
@@ -4415,7 +4433,7 @@
           <a:p>
             <a:fld id="{4509A250-FF31-4206-8172-F9D3106AACB1}" type="datetimeFigureOut">
               <a:rPr lang="en-US" dirty="0"/>
-              <a:t>1/9/25</a:t>
+              <a:t>1/10/25</a:t>
             </a:fld>
             <a:endParaRPr lang="en-US" dirty="0"/>
           </a:p>
@@ -4505,7 +4523,7 @@
           <a:p>
             <a:fld id="{4509A250-FF31-4206-8172-F9D3106AACB1}" type="datetimeFigureOut">
               <a:rPr lang="en-US" dirty="0"/>
-              <a:t>1/9/25</a:t>
+              <a:t>1/10/25</a:t>
             </a:fld>
             <a:endParaRPr lang="en-US" dirty="0"/>
           </a:p>
@@ -4779,7 +4797,7 @@
           <a:p>
             <a:fld id="{4509A250-FF31-4206-8172-F9D3106AACB1}" type="datetimeFigureOut">
               <a:rPr lang="en-US" dirty="0"/>
-              <a:t>1/9/25</a:t>
+              <a:t>1/10/25</a:t>
             </a:fld>
             <a:endParaRPr lang="en-US" dirty="0"/>
           </a:p>
@@ -5049,7 +5067,7 @@
           <a:p>
             <a:fld id="{4509A250-FF31-4206-8172-F9D3106AACB1}" type="datetimeFigureOut">
               <a:rPr lang="en-US" dirty="0"/>
-              <a:t>1/9/25</a:t>
+              <a:t>1/10/25</a:t>
             </a:fld>
             <a:endParaRPr lang="en-US" dirty="0"/>
           </a:p>
@@ -5473,7 +5491,7 @@
           <a:p>
             <a:fld id="{4AAD347D-5ACD-4C99-B74B-A9C85AD731AF}" type="datetimeFigureOut">
               <a:rPr lang="en-US" dirty="0"/>
-              <a:t>1/9/25</a:t>
+              <a:t>1/10/25</a:t>
             </a:fld>
             <a:endParaRPr lang="en-US" dirty="0"/>
           </a:p>
@@ -6013,12 +6031,20 @@
             <p:ph type="ctrTitle"/>
           </p:nvPr>
         </p:nvSpPr>
-        <p:spPr/>
+        <p:spPr>
+          <a:xfrm>
+            <a:off x="1154955" y="346763"/>
+            <a:ext cx="8825658" cy="721874"/>
+          </a:xfrm>
+        </p:spPr>
         <p:txBody>
           <a:bodyPr/>
           <a:lstStyle/>
           <a:p>
-            <a:endParaRPr lang="en-GB"/>
+            <a:r>
+              <a:rPr lang="en-GB" sz="4000" dirty="0"/>
+              <a:t>Netflix Duration Time</a:t>
+            </a:r>
           </a:p>
         </p:txBody>
       </p:sp>
@@ -6038,12 +6064,17 @@
             <p:ph type="subTitle" idx="1"/>
           </p:nvPr>
         </p:nvSpPr>
-        <p:spPr/>
+        <p:spPr>
+          <a:xfrm>
+            <a:off x="1154955" y="1277957"/>
+            <a:ext cx="8825658" cy="4360843"/>
+          </a:xfrm>
+        </p:spPr>
         <p:txBody>
           <a:bodyPr/>
           <a:lstStyle/>
           <a:p>
-            <a:endParaRPr lang="en-GB"/>
+            <a:endParaRPr lang="en-GB" dirty="0"/>
           </a:p>
         </p:txBody>
       </p:sp>
@@ -6051,6 +6082,1639 @@
     <p:extLst>
       <p:ext uri="{BB962C8B-B14F-4D97-AF65-F5344CB8AC3E}">
         <p14:creationId xmlns:p14="http://schemas.microsoft.com/office/powerpoint/2010/main" val="3913254970"/>
+      </p:ext>
+    </p:extLst>
+  </p:cSld>
+  <p:clrMapOvr>
+    <a:masterClrMapping/>
+  </p:clrMapOvr>
+</p:sld>
+</file>
+
+<file path=ppt/slides/slide10.xml><?xml version="1.0" encoding="utf-8"?>
+<p:sld xmlns:a="http://schemas.openxmlformats.org/drawingml/2006/main" xmlns:r="http://schemas.openxmlformats.org/officeDocument/2006/relationships" xmlns:p="http://schemas.openxmlformats.org/presentationml/2006/main">
+  <p:cSld>
+    <p:spTree>
+      <p:nvGrpSpPr>
+        <p:cNvPr id="1" name="">
+          <a:extLst>
+            <a:ext uri="{FF2B5EF4-FFF2-40B4-BE49-F238E27FC236}">
+              <a16:creationId xmlns:a16="http://schemas.microsoft.com/office/drawing/2014/main" id="{68CB8B1C-7B09-62A4-8245-F3C201C104CD}"/>
+            </a:ext>
+          </a:extLst>
+        </p:cNvPr>
+        <p:cNvGrpSpPr/>
+        <p:nvPr/>
+      </p:nvGrpSpPr>
+      <p:grpSpPr>
+        <a:xfrm>
+          <a:off x="0" y="0"/>
+          <a:ext cx="0" cy="0"/>
+          <a:chOff x="0" y="0"/>
+          <a:chExt cx="0" cy="0"/>
+        </a:xfrm>
+      </p:grpSpPr>
+      <p:sp>
+        <p:nvSpPr>
+          <p:cNvPr id="2" name="Title 1">
+            <a:extLst>
+              <a:ext uri="{FF2B5EF4-FFF2-40B4-BE49-F238E27FC236}">
+                <a16:creationId xmlns:a16="http://schemas.microsoft.com/office/drawing/2014/main" id="{2024486B-E538-E94E-0173-4E2FA9623347}"/>
+              </a:ext>
+            </a:extLst>
+          </p:cNvPr>
+          <p:cNvSpPr>
+            <a:spLocks noGrp="1"/>
+          </p:cNvSpPr>
+          <p:nvPr>
+            <p:ph type="ctrTitle"/>
+          </p:nvPr>
+        </p:nvSpPr>
+        <p:spPr>
+          <a:xfrm>
+            <a:off x="1154955" y="346763"/>
+            <a:ext cx="8825658" cy="721874"/>
+          </a:xfrm>
+        </p:spPr>
+        <p:txBody>
+          <a:bodyPr/>
+          <a:lstStyle/>
+          <a:p>
+            <a:r>
+              <a:rPr lang="en-GB" sz="4000" dirty="0"/>
+              <a:t>Machine Learning</a:t>
+            </a:r>
+          </a:p>
+        </p:txBody>
+      </p:sp>
+      <p:sp>
+        <p:nvSpPr>
+          <p:cNvPr id="6" name="TextBox 5">
+            <a:extLst>
+              <a:ext uri="{FF2B5EF4-FFF2-40B4-BE49-F238E27FC236}">
+                <a16:creationId xmlns:a16="http://schemas.microsoft.com/office/drawing/2014/main" id="{1520CDE0-D7C4-8109-D021-F7645B92646F}"/>
+              </a:ext>
+            </a:extLst>
+          </p:cNvPr>
+          <p:cNvSpPr txBox="1"/>
+          <p:nvPr/>
+        </p:nvSpPr>
+        <p:spPr>
+          <a:xfrm>
+            <a:off x="1004552" y="1751527"/>
+            <a:ext cx="9234152" cy="369332"/>
+          </a:xfrm>
+          <a:prstGeom prst="rect">
+            <a:avLst/>
+          </a:prstGeom>
+          <a:noFill/>
+        </p:spPr>
+        <p:txBody>
+          <a:bodyPr wrap="square" rtlCol="0">
+            <a:spAutoFit/>
+          </a:bodyPr>
+          <a:lstStyle/>
+          <a:p>
+            <a:r>
+              <a:rPr lang="en-GB" dirty="0"/>
+              <a:t>After I reject the hypothesis I tried to train a </a:t>
+            </a:r>
+            <a:r>
+              <a:rPr lang="en-GB" dirty="0" err="1"/>
+              <a:t>knn</a:t>
+            </a:r>
+            <a:r>
+              <a:rPr lang="en-GB" dirty="0"/>
+              <a:t> model. </a:t>
+            </a:r>
+          </a:p>
+        </p:txBody>
+      </p:sp>
+      <p:pic>
+        <p:nvPicPr>
+          <p:cNvPr id="4" name="Picture 3" descr="A graph and diagram of a graph&#10;&#10;Description automatically generated with medium confidence">
+            <a:extLst>
+              <a:ext uri="{FF2B5EF4-FFF2-40B4-BE49-F238E27FC236}">
+                <a16:creationId xmlns:a16="http://schemas.microsoft.com/office/drawing/2014/main" id="{6B985E99-4CCE-1A16-9FF8-FB5E57C26D66}"/>
+              </a:ext>
+            </a:extLst>
+          </p:cNvPr>
+          <p:cNvPicPr>
+            <a:picLocks noChangeAspect="1"/>
+          </p:cNvPicPr>
+          <p:nvPr/>
+        </p:nvPicPr>
+        <p:blipFill>
+          <a:blip r:embed="rId2"/>
+          <a:stretch>
+            <a:fillRect/>
+          </a:stretch>
+        </p:blipFill>
+        <p:spPr>
+          <a:xfrm>
+            <a:off x="1004551" y="2967176"/>
+            <a:ext cx="11249041" cy="3704080"/>
+          </a:xfrm>
+          <a:prstGeom prst="rect">
+            <a:avLst/>
+          </a:prstGeom>
+        </p:spPr>
+      </p:pic>
+    </p:spTree>
+    <p:extLst>
+      <p:ext uri="{BB962C8B-B14F-4D97-AF65-F5344CB8AC3E}">
+        <p14:creationId xmlns:p14="http://schemas.microsoft.com/office/powerpoint/2010/main" val="3986662183"/>
+      </p:ext>
+    </p:extLst>
+  </p:cSld>
+  <p:clrMapOvr>
+    <a:masterClrMapping/>
+  </p:clrMapOvr>
+</p:sld>
+</file>
+
+<file path=ppt/slides/slide11.xml><?xml version="1.0" encoding="utf-8"?>
+<p:sld xmlns:a="http://schemas.openxmlformats.org/drawingml/2006/main" xmlns:r="http://schemas.openxmlformats.org/officeDocument/2006/relationships" xmlns:p="http://schemas.openxmlformats.org/presentationml/2006/main">
+  <p:cSld>
+    <p:spTree>
+      <p:nvGrpSpPr>
+        <p:cNvPr id="1" name="">
+          <a:extLst>
+            <a:ext uri="{FF2B5EF4-FFF2-40B4-BE49-F238E27FC236}">
+              <a16:creationId xmlns:a16="http://schemas.microsoft.com/office/drawing/2014/main" id="{4F72801E-19AB-4938-6E25-D1B476E24713}"/>
+            </a:ext>
+          </a:extLst>
+        </p:cNvPr>
+        <p:cNvGrpSpPr/>
+        <p:nvPr/>
+      </p:nvGrpSpPr>
+      <p:grpSpPr>
+        <a:xfrm>
+          <a:off x="0" y="0"/>
+          <a:ext cx="0" cy="0"/>
+          <a:chOff x="0" y="0"/>
+          <a:chExt cx="0" cy="0"/>
+        </a:xfrm>
+      </p:grpSpPr>
+      <p:sp>
+        <p:nvSpPr>
+          <p:cNvPr id="2" name="Title 1">
+            <a:extLst>
+              <a:ext uri="{FF2B5EF4-FFF2-40B4-BE49-F238E27FC236}">
+                <a16:creationId xmlns:a16="http://schemas.microsoft.com/office/drawing/2014/main" id="{8EAC1ACC-3FC0-5BDD-2CAC-B5327AACCF06}"/>
+              </a:ext>
+            </a:extLst>
+          </p:cNvPr>
+          <p:cNvSpPr>
+            <a:spLocks noGrp="1"/>
+          </p:cNvSpPr>
+          <p:nvPr>
+            <p:ph type="ctrTitle"/>
+          </p:nvPr>
+        </p:nvSpPr>
+        <p:spPr>
+          <a:xfrm>
+            <a:off x="1154955" y="346763"/>
+            <a:ext cx="8825658" cy="721874"/>
+          </a:xfrm>
+        </p:spPr>
+        <p:txBody>
+          <a:bodyPr/>
+          <a:lstStyle/>
+          <a:p>
+            <a:endParaRPr lang="en-GB" sz="4000" dirty="0"/>
+          </a:p>
+        </p:txBody>
+      </p:sp>
+      <p:sp>
+        <p:nvSpPr>
+          <p:cNvPr id="6" name="TextBox 5">
+            <a:extLst>
+              <a:ext uri="{FF2B5EF4-FFF2-40B4-BE49-F238E27FC236}">
+                <a16:creationId xmlns:a16="http://schemas.microsoft.com/office/drawing/2014/main" id="{AF1C9A36-3D83-97BD-6D78-34B3CC474ED8}"/>
+              </a:ext>
+            </a:extLst>
+          </p:cNvPr>
+          <p:cNvSpPr txBox="1"/>
+          <p:nvPr/>
+        </p:nvSpPr>
+        <p:spPr>
+          <a:xfrm>
+            <a:off x="1004552" y="1751527"/>
+            <a:ext cx="9234152" cy="923330"/>
+          </a:xfrm>
+          <a:prstGeom prst="rect">
+            <a:avLst/>
+          </a:prstGeom>
+          <a:noFill/>
+        </p:spPr>
+        <p:txBody>
+          <a:bodyPr wrap="square" rtlCol="0">
+            <a:spAutoFit/>
+          </a:bodyPr>
+          <a:lstStyle/>
+          <a:p>
+            <a:r>
+              <a:rPr lang="en-GB" dirty="0" err="1"/>
+              <a:t>Knn</a:t>
+            </a:r>
+            <a:r>
+              <a:rPr lang="en-GB" dirty="0"/>
+              <a:t> model didn’t fit my model very well, so I tried a tree model which I thought is more suitable for my dataset. Even though it increased the accuracy. It isn’t still a reliable model.</a:t>
+            </a:r>
+          </a:p>
+        </p:txBody>
+      </p:sp>
+      <p:pic>
+        <p:nvPicPr>
+          <p:cNvPr id="4" name="Picture 3" descr="A graph with a red line&#10;&#10;Description automatically generated">
+            <a:extLst>
+              <a:ext uri="{FF2B5EF4-FFF2-40B4-BE49-F238E27FC236}">
+                <a16:creationId xmlns:a16="http://schemas.microsoft.com/office/drawing/2014/main" id="{C78EC68E-1B99-4A51-2888-1588208FFF44}"/>
+              </a:ext>
+            </a:extLst>
+          </p:cNvPr>
+          <p:cNvPicPr>
+            <a:picLocks noChangeAspect="1"/>
+          </p:cNvPicPr>
+          <p:nvPr/>
+        </p:nvPicPr>
+        <p:blipFill>
+          <a:blip r:embed="rId2"/>
+          <a:stretch>
+            <a:fillRect/>
+          </a:stretch>
+        </p:blipFill>
+        <p:spPr>
+          <a:xfrm>
+            <a:off x="0" y="3220182"/>
+            <a:ext cx="12312203" cy="3637818"/>
+          </a:xfrm>
+          <a:prstGeom prst="rect">
+            <a:avLst/>
+          </a:prstGeom>
+        </p:spPr>
+      </p:pic>
+    </p:spTree>
+    <p:extLst>
+      <p:ext uri="{BB962C8B-B14F-4D97-AF65-F5344CB8AC3E}">
+        <p14:creationId xmlns:p14="http://schemas.microsoft.com/office/powerpoint/2010/main" val="3136999837"/>
+      </p:ext>
+    </p:extLst>
+  </p:cSld>
+  <p:clrMapOvr>
+    <a:masterClrMapping/>
+  </p:clrMapOvr>
+</p:sld>
+</file>
+
+<file path=ppt/slides/slide12.xml><?xml version="1.0" encoding="utf-8"?>
+<p:sld xmlns:a="http://schemas.openxmlformats.org/drawingml/2006/main" xmlns:r="http://schemas.openxmlformats.org/officeDocument/2006/relationships" xmlns:p="http://schemas.openxmlformats.org/presentationml/2006/main">
+  <p:cSld>
+    <p:spTree>
+      <p:nvGrpSpPr>
+        <p:cNvPr id="1" name="">
+          <a:extLst>
+            <a:ext uri="{FF2B5EF4-FFF2-40B4-BE49-F238E27FC236}">
+              <a16:creationId xmlns:a16="http://schemas.microsoft.com/office/drawing/2014/main" id="{66F23F1A-EA45-8B7C-FC7A-854A49DA5C1D}"/>
+            </a:ext>
+          </a:extLst>
+        </p:cNvPr>
+        <p:cNvGrpSpPr/>
+        <p:nvPr/>
+      </p:nvGrpSpPr>
+      <p:grpSpPr>
+        <a:xfrm>
+          <a:off x="0" y="0"/>
+          <a:ext cx="0" cy="0"/>
+          <a:chOff x="0" y="0"/>
+          <a:chExt cx="0" cy="0"/>
+        </a:xfrm>
+      </p:grpSpPr>
+      <p:sp>
+        <p:nvSpPr>
+          <p:cNvPr id="2" name="Title 1">
+            <a:extLst>
+              <a:ext uri="{FF2B5EF4-FFF2-40B4-BE49-F238E27FC236}">
+                <a16:creationId xmlns:a16="http://schemas.microsoft.com/office/drawing/2014/main" id="{23456CCB-2262-DD8C-AC4F-A2758013146B}"/>
+              </a:ext>
+            </a:extLst>
+          </p:cNvPr>
+          <p:cNvSpPr>
+            <a:spLocks noGrp="1"/>
+          </p:cNvSpPr>
+          <p:nvPr>
+            <p:ph type="ctrTitle"/>
+          </p:nvPr>
+        </p:nvSpPr>
+        <p:spPr>
+          <a:xfrm>
+            <a:off x="1154955" y="346763"/>
+            <a:ext cx="8825658" cy="721874"/>
+          </a:xfrm>
+        </p:spPr>
+        <p:txBody>
+          <a:bodyPr/>
+          <a:lstStyle/>
+          <a:p>
+            <a:r>
+              <a:rPr lang="en-GB" sz="4000" dirty="0"/>
+              <a:t>Conclusion</a:t>
+            </a:r>
+          </a:p>
+        </p:txBody>
+      </p:sp>
+      <p:sp>
+        <p:nvSpPr>
+          <p:cNvPr id="6" name="TextBox 5">
+            <a:extLst>
+              <a:ext uri="{FF2B5EF4-FFF2-40B4-BE49-F238E27FC236}">
+                <a16:creationId xmlns:a16="http://schemas.microsoft.com/office/drawing/2014/main" id="{F168E33C-A4D6-EACA-FDC2-196EE0D167A3}"/>
+              </a:ext>
+            </a:extLst>
+          </p:cNvPr>
+          <p:cNvSpPr txBox="1"/>
+          <p:nvPr/>
+        </p:nvSpPr>
+        <p:spPr>
+          <a:xfrm>
+            <a:off x="1004552" y="1751527"/>
+            <a:ext cx="9234152" cy="646331"/>
+          </a:xfrm>
+          <a:prstGeom prst="rect">
+            <a:avLst/>
+          </a:prstGeom>
+          <a:noFill/>
+        </p:spPr>
+        <p:txBody>
+          <a:bodyPr wrap="square" rtlCol="0">
+            <a:spAutoFit/>
+          </a:bodyPr>
+          <a:lstStyle/>
+          <a:p>
+            <a:r>
+              <a:rPr lang="en-GB" dirty="0"/>
+              <a:t>I managed to reject the null hypothesis and I saw my initial hypothesis seems to be true. My real life perception matches with the data.</a:t>
+            </a:r>
+          </a:p>
+        </p:txBody>
+      </p:sp>
+    </p:spTree>
+    <p:extLst>
+      <p:ext uri="{BB962C8B-B14F-4D97-AF65-F5344CB8AC3E}">
+        <p14:creationId xmlns:p14="http://schemas.microsoft.com/office/powerpoint/2010/main" val="847359878"/>
+      </p:ext>
+    </p:extLst>
+  </p:cSld>
+  <p:clrMapOvr>
+    <a:masterClrMapping/>
+  </p:clrMapOvr>
+</p:sld>
+</file>
+
+<file path=ppt/slides/slide13.xml><?xml version="1.0" encoding="utf-8"?>
+<p:sld xmlns:a="http://schemas.openxmlformats.org/drawingml/2006/main" xmlns:r="http://schemas.openxmlformats.org/officeDocument/2006/relationships" xmlns:p="http://schemas.openxmlformats.org/presentationml/2006/main">
+  <p:cSld>
+    <p:spTree>
+      <p:nvGrpSpPr>
+        <p:cNvPr id="1" name="">
+          <a:extLst>
+            <a:ext uri="{FF2B5EF4-FFF2-40B4-BE49-F238E27FC236}">
+              <a16:creationId xmlns:a16="http://schemas.microsoft.com/office/drawing/2014/main" id="{B2EC51C9-8640-8661-89F3-7ABE4155963E}"/>
+            </a:ext>
+          </a:extLst>
+        </p:cNvPr>
+        <p:cNvGrpSpPr/>
+        <p:nvPr/>
+      </p:nvGrpSpPr>
+      <p:grpSpPr>
+        <a:xfrm>
+          <a:off x="0" y="0"/>
+          <a:ext cx="0" cy="0"/>
+          <a:chOff x="0" y="0"/>
+          <a:chExt cx="0" cy="0"/>
+        </a:xfrm>
+      </p:grpSpPr>
+      <p:sp>
+        <p:nvSpPr>
+          <p:cNvPr id="2" name="Title 1">
+            <a:extLst>
+              <a:ext uri="{FF2B5EF4-FFF2-40B4-BE49-F238E27FC236}">
+                <a16:creationId xmlns:a16="http://schemas.microsoft.com/office/drawing/2014/main" id="{15069BD9-4162-E6BE-DD08-53015BB88FB6}"/>
+              </a:ext>
+            </a:extLst>
+          </p:cNvPr>
+          <p:cNvSpPr>
+            <a:spLocks noGrp="1"/>
+          </p:cNvSpPr>
+          <p:nvPr>
+            <p:ph type="ctrTitle"/>
+          </p:nvPr>
+        </p:nvSpPr>
+        <p:spPr>
+          <a:xfrm>
+            <a:off x="1154955" y="346763"/>
+            <a:ext cx="8825658" cy="721874"/>
+          </a:xfrm>
+        </p:spPr>
+        <p:txBody>
+          <a:bodyPr/>
+          <a:lstStyle/>
+          <a:p>
+            <a:r>
+              <a:rPr lang="en-GB" sz="4000" dirty="0"/>
+              <a:t>Further Improvements</a:t>
+            </a:r>
+          </a:p>
+        </p:txBody>
+      </p:sp>
+      <p:sp>
+        <p:nvSpPr>
+          <p:cNvPr id="6" name="TextBox 5">
+            <a:extLst>
+              <a:ext uri="{FF2B5EF4-FFF2-40B4-BE49-F238E27FC236}">
+                <a16:creationId xmlns:a16="http://schemas.microsoft.com/office/drawing/2014/main" id="{777753A5-CA35-A8F6-0E06-9E14B7AB7B3A}"/>
+              </a:ext>
+            </a:extLst>
+          </p:cNvPr>
+          <p:cNvSpPr txBox="1"/>
+          <p:nvPr/>
+        </p:nvSpPr>
+        <p:spPr>
+          <a:xfrm>
+            <a:off x="1004552" y="1751527"/>
+            <a:ext cx="9234152" cy="2308324"/>
+          </a:xfrm>
+          <a:prstGeom prst="rect">
+            <a:avLst/>
+          </a:prstGeom>
+          <a:noFill/>
+        </p:spPr>
+        <p:txBody>
+          <a:bodyPr wrap="square" rtlCol="0">
+            <a:spAutoFit/>
+          </a:bodyPr>
+          <a:lstStyle/>
+          <a:p>
+            <a:r>
+              <a:rPr lang="en-GB" dirty="0"/>
+              <a:t>More fitting machine learning model could be found or dataset could be the expanded. Adding genres and type of what </a:t>
+            </a:r>
+            <a:r>
+              <a:rPr lang="en-GB" dirty="0" err="1"/>
+              <a:t>i</a:t>
+            </a:r>
+            <a:r>
+              <a:rPr lang="en-GB" dirty="0"/>
+              <a:t> watch could be an important factor.</a:t>
+            </a:r>
+          </a:p>
+          <a:p>
+            <a:endParaRPr lang="en-GB" dirty="0"/>
+          </a:p>
+          <a:p>
+            <a:r>
+              <a:rPr lang="en-GB" dirty="0"/>
+              <a:t>Correlation with other factors could be analysed.</a:t>
+            </a:r>
+          </a:p>
+          <a:p>
+            <a:endParaRPr lang="en-GB" dirty="0"/>
+          </a:p>
+          <a:p>
+            <a:r>
+              <a:rPr lang="en-GB" dirty="0"/>
+              <a:t>More emphasis on the outliers could be done since there are some extreme outliers and I am curious </a:t>
+            </a:r>
+            <a:r>
+              <a:rPr lang="en-GB"/>
+              <a:t>about their types.</a:t>
+            </a:r>
+          </a:p>
+        </p:txBody>
+      </p:sp>
+    </p:spTree>
+    <p:extLst>
+      <p:ext uri="{BB962C8B-B14F-4D97-AF65-F5344CB8AC3E}">
+        <p14:creationId xmlns:p14="http://schemas.microsoft.com/office/powerpoint/2010/main" val="2195462237"/>
+      </p:ext>
+    </p:extLst>
+  </p:cSld>
+  <p:clrMapOvr>
+    <a:masterClrMapping/>
+  </p:clrMapOvr>
+</p:sld>
+</file>
+
+<file path=ppt/slides/slide14.xml><?xml version="1.0" encoding="utf-8"?>
+<p:sld xmlns:a="http://schemas.openxmlformats.org/drawingml/2006/main" xmlns:r="http://schemas.openxmlformats.org/officeDocument/2006/relationships" xmlns:p="http://schemas.openxmlformats.org/presentationml/2006/main">
+  <p:cSld>
+    <p:spTree>
+      <p:nvGrpSpPr>
+        <p:cNvPr id="1" name="">
+          <a:extLst>
+            <a:ext uri="{FF2B5EF4-FFF2-40B4-BE49-F238E27FC236}">
+              <a16:creationId xmlns:a16="http://schemas.microsoft.com/office/drawing/2014/main" id="{0FE91E94-74C2-F7A3-C782-EBE4543B02A5}"/>
+            </a:ext>
+          </a:extLst>
+        </p:cNvPr>
+        <p:cNvGrpSpPr/>
+        <p:nvPr/>
+      </p:nvGrpSpPr>
+      <p:grpSpPr>
+        <a:xfrm>
+          <a:off x="0" y="0"/>
+          <a:ext cx="0" cy="0"/>
+          <a:chOff x="0" y="0"/>
+          <a:chExt cx="0" cy="0"/>
+        </a:xfrm>
+      </p:grpSpPr>
+      <p:sp>
+        <p:nvSpPr>
+          <p:cNvPr id="2" name="Title 1">
+            <a:extLst>
+              <a:ext uri="{FF2B5EF4-FFF2-40B4-BE49-F238E27FC236}">
+                <a16:creationId xmlns:a16="http://schemas.microsoft.com/office/drawing/2014/main" id="{88B0DA94-970F-23BD-340C-0C7D857083EB}"/>
+              </a:ext>
+            </a:extLst>
+          </p:cNvPr>
+          <p:cNvSpPr>
+            <a:spLocks noGrp="1"/>
+          </p:cNvSpPr>
+          <p:nvPr>
+            <p:ph type="ctrTitle"/>
+          </p:nvPr>
+        </p:nvSpPr>
+        <p:spPr>
+          <a:xfrm>
+            <a:off x="1154955" y="346763"/>
+            <a:ext cx="8825658" cy="721874"/>
+          </a:xfrm>
+        </p:spPr>
+        <p:txBody>
+          <a:bodyPr/>
+          <a:lstStyle/>
+          <a:p>
+            <a:endParaRPr lang="en-GB" sz="4000" dirty="0"/>
+          </a:p>
+        </p:txBody>
+      </p:sp>
+      <p:sp>
+        <p:nvSpPr>
+          <p:cNvPr id="6" name="TextBox 5">
+            <a:extLst>
+              <a:ext uri="{FF2B5EF4-FFF2-40B4-BE49-F238E27FC236}">
+                <a16:creationId xmlns:a16="http://schemas.microsoft.com/office/drawing/2014/main" id="{E74122EB-E5EE-9E99-D9F3-4C59A14D3393}"/>
+              </a:ext>
+            </a:extLst>
+          </p:cNvPr>
+          <p:cNvSpPr txBox="1"/>
+          <p:nvPr/>
+        </p:nvSpPr>
+        <p:spPr>
+          <a:xfrm>
+            <a:off x="1004552" y="1751527"/>
+            <a:ext cx="9234152" cy="2862322"/>
+          </a:xfrm>
+          <a:prstGeom prst="rect">
+            <a:avLst/>
+          </a:prstGeom>
+          <a:noFill/>
+        </p:spPr>
+        <p:txBody>
+          <a:bodyPr wrap="square" rtlCol="0">
+            <a:spAutoFit/>
+          </a:bodyPr>
+          <a:lstStyle/>
+          <a:p>
+            <a:r>
+              <a:rPr lang="en-GB" dirty="0"/>
+              <a:t>THANKS FOR YOUR TIME</a:t>
+            </a:r>
+          </a:p>
+          <a:p>
+            <a:endParaRPr lang="en-GB" dirty="0"/>
+          </a:p>
+          <a:p>
+            <a:endParaRPr lang="en-GB" dirty="0"/>
+          </a:p>
+          <a:p>
+            <a:endParaRPr lang="en-GB" dirty="0"/>
+          </a:p>
+          <a:p>
+            <a:endParaRPr lang="en-GB" dirty="0"/>
+          </a:p>
+          <a:p>
+            <a:endParaRPr lang="en-GB" dirty="0"/>
+          </a:p>
+          <a:p>
+            <a:endParaRPr lang="en-GB" dirty="0"/>
+          </a:p>
+          <a:p>
+            <a:endParaRPr lang="en-GB" dirty="0"/>
+          </a:p>
+          <a:p>
+            <a:r>
+              <a:rPr lang="en-GB" dirty="0"/>
+              <a:t>														Mehmet Fatih Paksoy</a:t>
+            </a:r>
+          </a:p>
+          <a:p>
+            <a:r>
+              <a:rPr lang="en-GB" dirty="0"/>
+              <a:t>																325109</a:t>
+            </a:r>
+          </a:p>
+        </p:txBody>
+      </p:sp>
+    </p:spTree>
+    <p:extLst>
+      <p:ext uri="{BB962C8B-B14F-4D97-AF65-F5344CB8AC3E}">
+        <p14:creationId xmlns:p14="http://schemas.microsoft.com/office/powerpoint/2010/main" val="4187456775"/>
+      </p:ext>
+    </p:extLst>
+  </p:cSld>
+  <p:clrMapOvr>
+    <a:masterClrMapping/>
+  </p:clrMapOvr>
+</p:sld>
+</file>
+
+<file path=ppt/slides/slide2.xml><?xml version="1.0" encoding="utf-8"?>
+<p:sld xmlns:a="http://schemas.openxmlformats.org/drawingml/2006/main" xmlns:r="http://schemas.openxmlformats.org/officeDocument/2006/relationships" xmlns:p="http://schemas.openxmlformats.org/presentationml/2006/main">
+  <p:cSld>
+    <p:spTree>
+      <p:nvGrpSpPr>
+        <p:cNvPr id="1" name="">
+          <a:extLst>
+            <a:ext uri="{FF2B5EF4-FFF2-40B4-BE49-F238E27FC236}">
+              <a16:creationId xmlns:a16="http://schemas.microsoft.com/office/drawing/2014/main" id="{DF8ADA60-7491-EB8B-5353-7762004815FE}"/>
+            </a:ext>
+          </a:extLst>
+        </p:cNvPr>
+        <p:cNvGrpSpPr/>
+        <p:nvPr/>
+      </p:nvGrpSpPr>
+      <p:grpSpPr>
+        <a:xfrm>
+          <a:off x="0" y="0"/>
+          <a:ext cx="0" cy="0"/>
+          <a:chOff x="0" y="0"/>
+          <a:chExt cx="0" cy="0"/>
+        </a:xfrm>
+      </p:grpSpPr>
+      <p:sp>
+        <p:nvSpPr>
+          <p:cNvPr id="2" name="Title 1">
+            <a:extLst>
+              <a:ext uri="{FF2B5EF4-FFF2-40B4-BE49-F238E27FC236}">
+                <a16:creationId xmlns:a16="http://schemas.microsoft.com/office/drawing/2014/main" id="{644A7DCC-6182-BD1A-5595-BF9336E40518}"/>
+              </a:ext>
+            </a:extLst>
+          </p:cNvPr>
+          <p:cNvSpPr>
+            <a:spLocks noGrp="1"/>
+          </p:cNvSpPr>
+          <p:nvPr>
+            <p:ph type="ctrTitle"/>
+          </p:nvPr>
+        </p:nvSpPr>
+        <p:spPr>
+          <a:xfrm>
+            <a:off x="1154955" y="346763"/>
+            <a:ext cx="8825658" cy="721874"/>
+          </a:xfrm>
+        </p:spPr>
+        <p:txBody>
+          <a:bodyPr/>
+          <a:lstStyle/>
+          <a:p>
+            <a:r>
+              <a:rPr lang="en-GB" sz="4000" dirty="0"/>
+              <a:t>Dataset</a:t>
+            </a:r>
+          </a:p>
+        </p:txBody>
+      </p:sp>
+      <p:sp>
+        <p:nvSpPr>
+          <p:cNvPr id="3" name="Subtitle 2">
+            <a:extLst>
+              <a:ext uri="{FF2B5EF4-FFF2-40B4-BE49-F238E27FC236}">
+                <a16:creationId xmlns:a16="http://schemas.microsoft.com/office/drawing/2014/main" id="{B51AC08C-59FC-F34F-AD2C-7AB7D70B38BA}"/>
+              </a:ext>
+            </a:extLst>
+          </p:cNvPr>
+          <p:cNvSpPr>
+            <a:spLocks noGrp="1"/>
+          </p:cNvSpPr>
+          <p:nvPr>
+            <p:ph type="subTitle" idx="1"/>
+          </p:nvPr>
+        </p:nvSpPr>
+        <p:spPr>
+          <a:xfrm>
+            <a:off x="1154955" y="1277957"/>
+            <a:ext cx="8825658" cy="4360843"/>
+          </a:xfrm>
+        </p:spPr>
+        <p:txBody>
+          <a:bodyPr/>
+          <a:lstStyle/>
+          <a:p>
+            <a:endParaRPr lang="en-GB" dirty="0"/>
+          </a:p>
+        </p:txBody>
+      </p:sp>
+      <p:pic>
+        <p:nvPicPr>
+          <p:cNvPr id="5" name="Picture 4" descr="A red letter on a black background&#10;&#10;Description automatically generated">
+            <a:extLst>
+              <a:ext uri="{FF2B5EF4-FFF2-40B4-BE49-F238E27FC236}">
+                <a16:creationId xmlns:a16="http://schemas.microsoft.com/office/drawing/2014/main" id="{1F813AA3-32B0-6857-E19B-0C6CFD059D66}"/>
+              </a:ext>
+            </a:extLst>
+          </p:cNvPr>
+          <p:cNvPicPr>
+            <a:picLocks noChangeAspect="1"/>
+          </p:cNvPicPr>
+          <p:nvPr/>
+        </p:nvPicPr>
+        <p:blipFill>
+          <a:blip r:embed="rId2"/>
+          <a:stretch>
+            <a:fillRect/>
+          </a:stretch>
+        </p:blipFill>
+        <p:spPr>
+          <a:xfrm>
+            <a:off x="1154955" y="1277956"/>
+            <a:ext cx="8825658" cy="4611737"/>
+          </a:xfrm>
+          <a:prstGeom prst="rect">
+            <a:avLst/>
+          </a:prstGeom>
+        </p:spPr>
+      </p:pic>
+    </p:spTree>
+    <p:extLst>
+      <p:ext uri="{BB962C8B-B14F-4D97-AF65-F5344CB8AC3E}">
+        <p14:creationId xmlns:p14="http://schemas.microsoft.com/office/powerpoint/2010/main" val="108043731"/>
+      </p:ext>
+    </p:extLst>
+  </p:cSld>
+  <p:clrMapOvr>
+    <a:masterClrMapping/>
+  </p:clrMapOvr>
+</p:sld>
+</file>
+
+<file path=ppt/slides/slide3.xml><?xml version="1.0" encoding="utf-8"?>
+<p:sld xmlns:a="http://schemas.openxmlformats.org/drawingml/2006/main" xmlns:r="http://schemas.openxmlformats.org/officeDocument/2006/relationships" xmlns:p="http://schemas.openxmlformats.org/presentationml/2006/main">
+  <p:cSld>
+    <p:spTree>
+      <p:nvGrpSpPr>
+        <p:cNvPr id="1" name="">
+          <a:extLst>
+            <a:ext uri="{FF2B5EF4-FFF2-40B4-BE49-F238E27FC236}">
+              <a16:creationId xmlns:a16="http://schemas.microsoft.com/office/drawing/2014/main" id="{005B4475-8FCA-7CA2-9E3C-BB8A1A12486B}"/>
+            </a:ext>
+          </a:extLst>
+        </p:cNvPr>
+        <p:cNvGrpSpPr/>
+        <p:nvPr/>
+      </p:nvGrpSpPr>
+      <p:grpSpPr>
+        <a:xfrm>
+          <a:off x="0" y="0"/>
+          <a:ext cx="0" cy="0"/>
+          <a:chOff x="0" y="0"/>
+          <a:chExt cx="0" cy="0"/>
+        </a:xfrm>
+      </p:grpSpPr>
+      <p:sp>
+        <p:nvSpPr>
+          <p:cNvPr id="2" name="Title 1">
+            <a:extLst>
+              <a:ext uri="{FF2B5EF4-FFF2-40B4-BE49-F238E27FC236}">
+                <a16:creationId xmlns:a16="http://schemas.microsoft.com/office/drawing/2014/main" id="{C2C5B01E-6BB0-AFB0-2E1F-080825768090}"/>
+              </a:ext>
+            </a:extLst>
+          </p:cNvPr>
+          <p:cNvSpPr>
+            <a:spLocks noGrp="1"/>
+          </p:cNvSpPr>
+          <p:nvPr>
+            <p:ph type="ctrTitle"/>
+          </p:nvPr>
+        </p:nvSpPr>
+        <p:spPr>
+          <a:xfrm>
+            <a:off x="1154955" y="346763"/>
+            <a:ext cx="8825658" cy="721874"/>
+          </a:xfrm>
+        </p:spPr>
+        <p:txBody>
+          <a:bodyPr/>
+          <a:lstStyle/>
+          <a:p>
+            <a:r>
+              <a:rPr lang="en-GB" sz="4000" dirty="0"/>
+              <a:t>Hypothesis</a:t>
+            </a:r>
+          </a:p>
+        </p:txBody>
+      </p:sp>
+      <p:sp>
+        <p:nvSpPr>
+          <p:cNvPr id="6" name="TextBox 5">
+            <a:extLst>
+              <a:ext uri="{FF2B5EF4-FFF2-40B4-BE49-F238E27FC236}">
+                <a16:creationId xmlns:a16="http://schemas.microsoft.com/office/drawing/2014/main" id="{480023AD-5992-86A1-C5A8-5DE7AA4BF440}"/>
+              </a:ext>
+            </a:extLst>
+          </p:cNvPr>
+          <p:cNvSpPr txBox="1"/>
+          <p:nvPr/>
+        </p:nvSpPr>
+        <p:spPr>
+          <a:xfrm>
+            <a:off x="1017431" y="1751527"/>
+            <a:ext cx="9234152" cy="369332"/>
+          </a:xfrm>
+          <a:prstGeom prst="rect">
+            <a:avLst/>
+          </a:prstGeom>
+          <a:noFill/>
+        </p:spPr>
+        <p:txBody>
+          <a:bodyPr wrap="square" rtlCol="0">
+            <a:spAutoFit/>
+          </a:bodyPr>
+          <a:lstStyle/>
+          <a:p>
+            <a:r>
+              <a:rPr lang="en-GB" dirty="0"/>
+              <a:t>My duration time in my Netflix account has declined over time. </a:t>
+            </a:r>
+          </a:p>
+        </p:txBody>
+      </p:sp>
+    </p:spTree>
+    <p:extLst>
+      <p:ext uri="{BB962C8B-B14F-4D97-AF65-F5344CB8AC3E}">
+        <p14:creationId xmlns:p14="http://schemas.microsoft.com/office/powerpoint/2010/main" val="121611946"/>
+      </p:ext>
+    </p:extLst>
+  </p:cSld>
+  <p:clrMapOvr>
+    <a:masterClrMapping/>
+  </p:clrMapOvr>
+</p:sld>
+</file>
+
+<file path=ppt/slides/slide4.xml><?xml version="1.0" encoding="utf-8"?>
+<p:sld xmlns:a="http://schemas.openxmlformats.org/drawingml/2006/main" xmlns:r="http://schemas.openxmlformats.org/officeDocument/2006/relationships" xmlns:p="http://schemas.openxmlformats.org/presentationml/2006/main">
+  <p:cSld>
+    <p:spTree>
+      <p:nvGrpSpPr>
+        <p:cNvPr id="1" name="">
+          <a:extLst>
+            <a:ext uri="{FF2B5EF4-FFF2-40B4-BE49-F238E27FC236}">
+              <a16:creationId xmlns:a16="http://schemas.microsoft.com/office/drawing/2014/main" id="{529FA575-3EDC-5CFF-A90D-51847DC75EE8}"/>
+            </a:ext>
+          </a:extLst>
+        </p:cNvPr>
+        <p:cNvGrpSpPr/>
+        <p:nvPr/>
+      </p:nvGrpSpPr>
+      <p:grpSpPr>
+        <a:xfrm>
+          <a:off x="0" y="0"/>
+          <a:ext cx="0" cy="0"/>
+          <a:chOff x="0" y="0"/>
+          <a:chExt cx="0" cy="0"/>
+        </a:xfrm>
+      </p:grpSpPr>
+      <p:sp>
+        <p:nvSpPr>
+          <p:cNvPr id="2" name="Title 1">
+            <a:extLst>
+              <a:ext uri="{FF2B5EF4-FFF2-40B4-BE49-F238E27FC236}">
+                <a16:creationId xmlns:a16="http://schemas.microsoft.com/office/drawing/2014/main" id="{0D476987-6C19-61AF-E3E7-740461BCE2ED}"/>
+              </a:ext>
+            </a:extLst>
+          </p:cNvPr>
+          <p:cNvSpPr>
+            <a:spLocks noGrp="1"/>
+          </p:cNvSpPr>
+          <p:nvPr>
+            <p:ph type="ctrTitle"/>
+          </p:nvPr>
+        </p:nvSpPr>
+        <p:spPr>
+          <a:xfrm>
+            <a:off x="1154955" y="346763"/>
+            <a:ext cx="8825658" cy="721874"/>
+          </a:xfrm>
+        </p:spPr>
+        <p:txBody>
+          <a:bodyPr/>
+          <a:lstStyle/>
+          <a:p>
+            <a:r>
+              <a:rPr lang="en-GB" sz="4000" dirty="0"/>
+              <a:t>MY VIEWING ACTIVITIES</a:t>
+            </a:r>
+          </a:p>
+        </p:txBody>
+      </p:sp>
+      <p:sp>
+        <p:nvSpPr>
+          <p:cNvPr id="3" name="Subtitle 2">
+            <a:extLst>
+              <a:ext uri="{FF2B5EF4-FFF2-40B4-BE49-F238E27FC236}">
+                <a16:creationId xmlns:a16="http://schemas.microsoft.com/office/drawing/2014/main" id="{F00BA266-FAFA-CF5A-4C57-594E2F05C238}"/>
+              </a:ext>
+            </a:extLst>
+          </p:cNvPr>
+          <p:cNvSpPr>
+            <a:spLocks noGrp="1"/>
+          </p:cNvSpPr>
+          <p:nvPr>
+            <p:ph type="subTitle" idx="1"/>
+          </p:nvPr>
+        </p:nvSpPr>
+        <p:spPr>
+          <a:xfrm>
+            <a:off x="1154955" y="1277957"/>
+            <a:ext cx="8825658" cy="4360843"/>
+          </a:xfrm>
+        </p:spPr>
+        <p:txBody>
+          <a:bodyPr/>
+          <a:lstStyle/>
+          <a:p>
+            <a:endParaRPr lang="en-GB" dirty="0"/>
+          </a:p>
+        </p:txBody>
+      </p:sp>
+      <p:pic>
+        <p:nvPicPr>
+          <p:cNvPr id="6" name="Picture 5" descr="A screenshot of a graph&#10;&#10;Description automatically generated">
+            <a:extLst>
+              <a:ext uri="{FF2B5EF4-FFF2-40B4-BE49-F238E27FC236}">
+                <a16:creationId xmlns:a16="http://schemas.microsoft.com/office/drawing/2014/main" id="{E5AE0A19-51C3-1019-D00E-1FC5EC95CEB3}"/>
+              </a:ext>
+            </a:extLst>
+          </p:cNvPr>
+          <p:cNvPicPr>
+            <a:picLocks noChangeAspect="1"/>
+          </p:cNvPicPr>
+          <p:nvPr/>
+        </p:nvPicPr>
+        <p:blipFill>
+          <a:blip r:embed="rId2"/>
+          <a:stretch>
+            <a:fillRect/>
+          </a:stretch>
+        </p:blipFill>
+        <p:spPr>
+          <a:xfrm>
+            <a:off x="1154954" y="1277957"/>
+            <a:ext cx="9233951" cy="5454555"/>
+          </a:xfrm>
+          <a:prstGeom prst="rect">
+            <a:avLst/>
+          </a:prstGeom>
+        </p:spPr>
+      </p:pic>
+    </p:spTree>
+    <p:extLst>
+      <p:ext uri="{BB962C8B-B14F-4D97-AF65-F5344CB8AC3E}">
+        <p14:creationId xmlns:p14="http://schemas.microsoft.com/office/powerpoint/2010/main" val="1420037344"/>
+      </p:ext>
+    </p:extLst>
+  </p:cSld>
+  <p:clrMapOvr>
+    <a:masterClrMapping/>
+  </p:clrMapOvr>
+</p:sld>
+</file>
+
+<file path=ppt/slides/slide5.xml><?xml version="1.0" encoding="utf-8"?>
+<p:sld xmlns:a="http://schemas.openxmlformats.org/drawingml/2006/main" xmlns:r="http://schemas.openxmlformats.org/officeDocument/2006/relationships" xmlns:p="http://schemas.openxmlformats.org/presentationml/2006/main">
+  <p:cSld>
+    <p:spTree>
+      <p:nvGrpSpPr>
+        <p:cNvPr id="1" name="">
+          <a:extLst>
+            <a:ext uri="{FF2B5EF4-FFF2-40B4-BE49-F238E27FC236}">
+              <a16:creationId xmlns:a16="http://schemas.microsoft.com/office/drawing/2014/main" id="{4F432BE0-AE63-442C-6DD2-8107E20090E9}"/>
+            </a:ext>
+          </a:extLst>
+        </p:cNvPr>
+        <p:cNvGrpSpPr/>
+        <p:nvPr/>
+      </p:nvGrpSpPr>
+      <p:grpSpPr>
+        <a:xfrm>
+          <a:off x="0" y="0"/>
+          <a:ext cx="0" cy="0"/>
+          <a:chOff x="0" y="0"/>
+          <a:chExt cx="0" cy="0"/>
+        </a:xfrm>
+      </p:grpSpPr>
+      <p:sp>
+        <p:nvSpPr>
+          <p:cNvPr id="2" name="Title 1">
+            <a:extLst>
+              <a:ext uri="{FF2B5EF4-FFF2-40B4-BE49-F238E27FC236}">
+                <a16:creationId xmlns:a16="http://schemas.microsoft.com/office/drawing/2014/main" id="{9EA17B02-9616-792F-238F-A83D0EB0E859}"/>
+              </a:ext>
+            </a:extLst>
+          </p:cNvPr>
+          <p:cNvSpPr>
+            <a:spLocks noGrp="1"/>
+          </p:cNvSpPr>
+          <p:nvPr>
+            <p:ph type="ctrTitle"/>
+          </p:nvPr>
+        </p:nvSpPr>
+        <p:spPr>
+          <a:xfrm>
+            <a:off x="1154955" y="346763"/>
+            <a:ext cx="8825658" cy="721874"/>
+          </a:xfrm>
+        </p:spPr>
+        <p:txBody>
+          <a:bodyPr/>
+          <a:lstStyle/>
+          <a:p>
+            <a:r>
+              <a:rPr lang="en-GB" sz="4000" dirty="0"/>
+              <a:t>MY VIEWING ACTIVITIES BY YEAR</a:t>
+            </a:r>
+          </a:p>
+        </p:txBody>
+      </p:sp>
+      <p:sp>
+        <p:nvSpPr>
+          <p:cNvPr id="3" name="Subtitle 2">
+            <a:extLst>
+              <a:ext uri="{FF2B5EF4-FFF2-40B4-BE49-F238E27FC236}">
+                <a16:creationId xmlns:a16="http://schemas.microsoft.com/office/drawing/2014/main" id="{3FCFA594-2FB8-7344-3C17-2E2187014D32}"/>
+              </a:ext>
+            </a:extLst>
+          </p:cNvPr>
+          <p:cNvSpPr>
+            <a:spLocks noGrp="1"/>
+          </p:cNvSpPr>
+          <p:nvPr>
+            <p:ph type="subTitle" idx="1"/>
+          </p:nvPr>
+        </p:nvSpPr>
+        <p:spPr>
+          <a:xfrm>
+            <a:off x="1154955" y="1277957"/>
+            <a:ext cx="8825658" cy="4360843"/>
+          </a:xfrm>
+        </p:spPr>
+        <p:txBody>
+          <a:bodyPr/>
+          <a:lstStyle/>
+          <a:p>
+            <a:endParaRPr lang="en-GB" dirty="0"/>
+          </a:p>
+        </p:txBody>
+      </p:sp>
+      <p:pic>
+        <p:nvPicPr>
+          <p:cNvPr id="7" name="Picture 6" descr="A screenshot of a graph&#10;&#10;Description automatically generated">
+            <a:extLst>
+              <a:ext uri="{FF2B5EF4-FFF2-40B4-BE49-F238E27FC236}">
+                <a16:creationId xmlns:a16="http://schemas.microsoft.com/office/drawing/2014/main" id="{5B127891-02A7-066F-9BFA-56CDCF5D4D32}"/>
+              </a:ext>
+            </a:extLst>
+          </p:cNvPr>
+          <p:cNvPicPr>
+            <a:picLocks noChangeAspect="1"/>
+          </p:cNvPicPr>
+          <p:nvPr/>
+        </p:nvPicPr>
+        <p:blipFill>
+          <a:blip r:embed="rId2"/>
+          <a:stretch>
+            <a:fillRect/>
+          </a:stretch>
+        </p:blipFill>
+        <p:spPr>
+          <a:xfrm>
+            <a:off x="1154955" y="1277956"/>
+            <a:ext cx="8825658" cy="5580043"/>
+          </a:xfrm>
+          <a:prstGeom prst="rect">
+            <a:avLst/>
+          </a:prstGeom>
+        </p:spPr>
+      </p:pic>
+    </p:spTree>
+    <p:extLst>
+      <p:ext uri="{BB962C8B-B14F-4D97-AF65-F5344CB8AC3E}">
+        <p14:creationId xmlns:p14="http://schemas.microsoft.com/office/powerpoint/2010/main" val="3508355308"/>
+      </p:ext>
+    </p:extLst>
+  </p:cSld>
+  <p:clrMapOvr>
+    <a:masterClrMapping/>
+  </p:clrMapOvr>
+</p:sld>
+</file>
+
+<file path=ppt/slides/slide6.xml><?xml version="1.0" encoding="utf-8"?>
+<p:sld xmlns:a="http://schemas.openxmlformats.org/drawingml/2006/main" xmlns:r="http://schemas.openxmlformats.org/officeDocument/2006/relationships" xmlns:p="http://schemas.openxmlformats.org/presentationml/2006/main">
+  <p:cSld>
+    <p:spTree>
+      <p:nvGrpSpPr>
+        <p:cNvPr id="1" name="">
+          <a:extLst>
+            <a:ext uri="{FF2B5EF4-FFF2-40B4-BE49-F238E27FC236}">
+              <a16:creationId xmlns:a16="http://schemas.microsoft.com/office/drawing/2014/main" id="{160244B0-BE54-79E4-378D-9379BB91EA7F}"/>
+            </a:ext>
+          </a:extLst>
+        </p:cNvPr>
+        <p:cNvGrpSpPr/>
+        <p:nvPr/>
+      </p:nvGrpSpPr>
+      <p:grpSpPr>
+        <a:xfrm>
+          <a:off x="0" y="0"/>
+          <a:ext cx="0" cy="0"/>
+          <a:chOff x="0" y="0"/>
+          <a:chExt cx="0" cy="0"/>
+        </a:xfrm>
+      </p:grpSpPr>
+      <p:sp>
+        <p:nvSpPr>
+          <p:cNvPr id="2" name="Title 1">
+            <a:extLst>
+              <a:ext uri="{FF2B5EF4-FFF2-40B4-BE49-F238E27FC236}">
+                <a16:creationId xmlns:a16="http://schemas.microsoft.com/office/drawing/2014/main" id="{9AAA4944-1FC1-6744-456C-B9B4B73DE2F1}"/>
+              </a:ext>
+            </a:extLst>
+          </p:cNvPr>
+          <p:cNvSpPr>
+            <a:spLocks noGrp="1"/>
+          </p:cNvSpPr>
+          <p:nvPr>
+            <p:ph type="ctrTitle"/>
+          </p:nvPr>
+        </p:nvSpPr>
+        <p:spPr>
+          <a:xfrm>
+            <a:off x="1154955" y="346763"/>
+            <a:ext cx="8825658" cy="721874"/>
+          </a:xfrm>
+        </p:spPr>
+        <p:txBody>
+          <a:bodyPr/>
+          <a:lstStyle/>
+          <a:p>
+            <a:endParaRPr lang="en-GB" sz="4000" dirty="0"/>
+          </a:p>
+        </p:txBody>
+      </p:sp>
+      <p:sp>
+        <p:nvSpPr>
+          <p:cNvPr id="6" name="TextBox 5">
+            <a:extLst>
+              <a:ext uri="{FF2B5EF4-FFF2-40B4-BE49-F238E27FC236}">
+                <a16:creationId xmlns:a16="http://schemas.microsoft.com/office/drawing/2014/main" id="{358F3A93-2982-5D44-A20B-21A9193E4C85}"/>
+              </a:ext>
+            </a:extLst>
+          </p:cNvPr>
+          <p:cNvSpPr txBox="1"/>
+          <p:nvPr/>
+        </p:nvSpPr>
+        <p:spPr>
+          <a:xfrm>
+            <a:off x="1004552" y="1751527"/>
+            <a:ext cx="9234152" cy="923330"/>
+          </a:xfrm>
+          <a:prstGeom prst="rect">
+            <a:avLst/>
+          </a:prstGeom>
+          <a:noFill/>
+        </p:spPr>
+        <p:txBody>
+          <a:bodyPr wrap="square" rtlCol="0">
+            <a:spAutoFit/>
+          </a:bodyPr>
+          <a:lstStyle/>
+          <a:p>
+            <a:r>
+              <a:rPr lang="en-GB" dirty="0"/>
+              <a:t>Both of the graphs imply a decline in my duration time over years.</a:t>
+            </a:r>
+          </a:p>
+          <a:p>
+            <a:r>
+              <a:rPr lang="en-GB" dirty="0"/>
+              <a:t>To prove my hypothesis I calculated its correlation coefficients and I added some extra visuals</a:t>
+            </a:r>
+          </a:p>
+        </p:txBody>
+      </p:sp>
+    </p:spTree>
+    <p:extLst>
+      <p:ext uri="{BB962C8B-B14F-4D97-AF65-F5344CB8AC3E}">
+        <p14:creationId xmlns:p14="http://schemas.microsoft.com/office/powerpoint/2010/main" val="2720340029"/>
+      </p:ext>
+    </p:extLst>
+  </p:cSld>
+  <p:clrMapOvr>
+    <a:masterClrMapping/>
+  </p:clrMapOvr>
+</p:sld>
+</file>
+
+<file path=ppt/slides/slide7.xml><?xml version="1.0" encoding="utf-8"?>
+<p:sld xmlns:a="http://schemas.openxmlformats.org/drawingml/2006/main" xmlns:r="http://schemas.openxmlformats.org/officeDocument/2006/relationships" xmlns:p="http://schemas.openxmlformats.org/presentationml/2006/main">
+  <p:cSld>
+    <p:spTree>
+      <p:nvGrpSpPr>
+        <p:cNvPr id="1" name="">
+          <a:extLst>
+            <a:ext uri="{FF2B5EF4-FFF2-40B4-BE49-F238E27FC236}">
+              <a16:creationId xmlns:a16="http://schemas.microsoft.com/office/drawing/2014/main" id="{5DB2557F-51E9-31D7-5828-2DE9546DAFC7}"/>
+            </a:ext>
+          </a:extLst>
+        </p:cNvPr>
+        <p:cNvGrpSpPr/>
+        <p:nvPr/>
+      </p:nvGrpSpPr>
+      <p:grpSpPr>
+        <a:xfrm>
+          <a:off x="0" y="0"/>
+          <a:ext cx="0" cy="0"/>
+          <a:chOff x="0" y="0"/>
+          <a:chExt cx="0" cy="0"/>
+        </a:xfrm>
+      </p:grpSpPr>
+      <p:pic>
+        <p:nvPicPr>
+          <p:cNvPr id="4" name="Picture 3" descr="A graph of a number of boxes&#10;&#10;Description automatically generated with medium confidence">
+            <a:extLst>
+              <a:ext uri="{FF2B5EF4-FFF2-40B4-BE49-F238E27FC236}">
+                <a16:creationId xmlns:a16="http://schemas.microsoft.com/office/drawing/2014/main" id="{BC7D995C-84D0-2F55-6CC8-DAACCAAD64EC}"/>
+              </a:ext>
+            </a:extLst>
+          </p:cNvPr>
+          <p:cNvPicPr>
+            <a:picLocks noChangeAspect="1"/>
+          </p:cNvPicPr>
+          <p:nvPr/>
+        </p:nvPicPr>
+        <p:blipFill>
+          <a:blip r:embed="rId2"/>
+          <a:stretch>
+            <a:fillRect/>
+          </a:stretch>
+        </p:blipFill>
+        <p:spPr>
+          <a:xfrm>
+            <a:off x="2466706" y="2030861"/>
+            <a:ext cx="7258587" cy="4827139"/>
+          </a:xfrm>
+          <a:prstGeom prst="rect">
+            <a:avLst/>
+          </a:prstGeom>
+        </p:spPr>
+      </p:pic>
+      <p:sp>
+        <p:nvSpPr>
+          <p:cNvPr id="11" name="TextBox 10">
+            <a:extLst>
+              <a:ext uri="{FF2B5EF4-FFF2-40B4-BE49-F238E27FC236}">
+                <a16:creationId xmlns:a16="http://schemas.microsoft.com/office/drawing/2014/main" id="{9234BDA0-C553-B620-8362-6A01904C89D0}"/>
+              </a:ext>
+            </a:extLst>
+          </p:cNvPr>
+          <p:cNvSpPr txBox="1"/>
+          <p:nvPr/>
+        </p:nvSpPr>
+        <p:spPr>
+          <a:xfrm>
+            <a:off x="1493949" y="965915"/>
+            <a:ext cx="8680361" cy="923330"/>
+          </a:xfrm>
+          <a:prstGeom prst="rect">
+            <a:avLst/>
+          </a:prstGeom>
+          <a:noFill/>
+        </p:spPr>
+        <p:txBody>
+          <a:bodyPr wrap="square" rtlCol="0">
+            <a:spAutoFit/>
+          </a:bodyPr>
+          <a:lstStyle/>
+          <a:p>
+            <a:r>
+              <a:rPr lang="en-GB" dirty="0"/>
+              <a:t>Pearson correlation coefficient: -0.2057</a:t>
+            </a:r>
+            <a:endParaRPr lang="en-TR" dirty="0">
+              <a:solidFill>
+                <a:srgbClr val="D6D6DD"/>
+              </a:solidFill>
+            </a:endParaRPr>
+          </a:p>
+          <a:p>
+            <a:r>
+              <a:rPr lang="en-GB" dirty="0"/>
+              <a:t>Spearman correlation coefficient: -0.1785</a:t>
+            </a:r>
+          </a:p>
+          <a:p>
+            <a:r>
+              <a:rPr lang="en-GB" dirty="0"/>
+              <a:t>Both imply weak negative correlation</a:t>
+            </a:r>
+          </a:p>
+        </p:txBody>
+      </p:sp>
+    </p:spTree>
+    <p:extLst>
+      <p:ext uri="{BB962C8B-B14F-4D97-AF65-F5344CB8AC3E}">
+        <p14:creationId xmlns:p14="http://schemas.microsoft.com/office/powerpoint/2010/main" val="2209768346"/>
+      </p:ext>
+    </p:extLst>
+  </p:cSld>
+  <p:clrMapOvr>
+    <a:masterClrMapping/>
+  </p:clrMapOvr>
+</p:sld>
+</file>
+
+<file path=ppt/slides/slide8.xml><?xml version="1.0" encoding="utf-8"?>
+<p:sld xmlns:a="http://schemas.openxmlformats.org/drawingml/2006/main" xmlns:r="http://schemas.openxmlformats.org/officeDocument/2006/relationships" xmlns:p="http://schemas.openxmlformats.org/presentationml/2006/main">
+  <p:cSld>
+    <p:spTree>
+      <p:nvGrpSpPr>
+        <p:cNvPr id="1" name="">
+          <a:extLst>
+            <a:ext uri="{FF2B5EF4-FFF2-40B4-BE49-F238E27FC236}">
+              <a16:creationId xmlns:a16="http://schemas.microsoft.com/office/drawing/2014/main" id="{D9B13D9E-3370-6080-0CC4-F799F1F3342E}"/>
+            </a:ext>
+          </a:extLst>
+        </p:cNvPr>
+        <p:cNvGrpSpPr/>
+        <p:nvPr/>
+      </p:nvGrpSpPr>
+      <p:grpSpPr>
+        <a:xfrm>
+          <a:off x="0" y="0"/>
+          <a:ext cx="0" cy="0"/>
+          <a:chOff x="0" y="0"/>
+          <a:chExt cx="0" cy="0"/>
+        </a:xfrm>
+      </p:grpSpPr>
+      <p:sp>
+        <p:nvSpPr>
+          <p:cNvPr id="2" name="Title 1">
+            <a:extLst>
+              <a:ext uri="{FF2B5EF4-FFF2-40B4-BE49-F238E27FC236}">
+                <a16:creationId xmlns:a16="http://schemas.microsoft.com/office/drawing/2014/main" id="{9D4ED610-6814-0EC1-87B6-2182870B06EA}"/>
+              </a:ext>
+            </a:extLst>
+          </p:cNvPr>
+          <p:cNvSpPr>
+            <a:spLocks noGrp="1"/>
+          </p:cNvSpPr>
+          <p:nvPr>
+            <p:ph type="ctrTitle"/>
+          </p:nvPr>
+        </p:nvSpPr>
+        <p:spPr>
+          <a:xfrm>
+            <a:off x="1154955" y="346763"/>
+            <a:ext cx="8825658" cy="721874"/>
+          </a:xfrm>
+        </p:spPr>
+        <p:txBody>
+          <a:bodyPr/>
+          <a:lstStyle/>
+          <a:p>
+            <a:r>
+              <a:rPr lang="en-GB" sz="4000" dirty="0"/>
+              <a:t>Log Transformation</a:t>
+            </a:r>
+          </a:p>
+        </p:txBody>
+      </p:sp>
+      <p:sp>
+        <p:nvSpPr>
+          <p:cNvPr id="6" name="TextBox 5">
+            <a:extLst>
+              <a:ext uri="{FF2B5EF4-FFF2-40B4-BE49-F238E27FC236}">
+                <a16:creationId xmlns:a16="http://schemas.microsoft.com/office/drawing/2014/main" id="{2A2DDE69-5C45-4847-5FF4-4F1A7F8373CC}"/>
+              </a:ext>
+            </a:extLst>
+          </p:cNvPr>
+          <p:cNvSpPr txBox="1"/>
+          <p:nvPr/>
+        </p:nvSpPr>
+        <p:spPr>
+          <a:xfrm>
+            <a:off x="1004552" y="1751527"/>
+            <a:ext cx="9234152" cy="646331"/>
+          </a:xfrm>
+          <a:prstGeom prst="rect">
+            <a:avLst/>
+          </a:prstGeom>
+          <a:noFill/>
+        </p:spPr>
+        <p:txBody>
+          <a:bodyPr wrap="square" rtlCol="0">
+            <a:spAutoFit/>
+          </a:bodyPr>
+          <a:lstStyle/>
+          <a:p>
+            <a:r>
+              <a:rPr lang="en-GB" dirty="0"/>
+              <a:t>I made a log transformation to normalize the data but it didn’t have a significant impact</a:t>
+            </a:r>
+          </a:p>
+        </p:txBody>
+      </p:sp>
+      <p:pic>
+        <p:nvPicPr>
+          <p:cNvPr id="4" name="Picture 3" descr="A graph of a log-training and a log-training&#10;&#10;Description automatically generated">
+            <a:extLst>
+              <a:ext uri="{FF2B5EF4-FFF2-40B4-BE49-F238E27FC236}">
+                <a16:creationId xmlns:a16="http://schemas.microsoft.com/office/drawing/2014/main" id="{F2ECA573-B8F9-EA67-5FF0-DCE6F21E3BB6}"/>
+              </a:ext>
+            </a:extLst>
+          </p:cNvPr>
+          <p:cNvPicPr>
+            <a:picLocks noChangeAspect="1"/>
+          </p:cNvPicPr>
+          <p:nvPr/>
+        </p:nvPicPr>
+        <p:blipFill>
+          <a:blip r:embed="rId2"/>
+          <a:stretch>
+            <a:fillRect/>
+          </a:stretch>
+        </p:blipFill>
+        <p:spPr>
+          <a:xfrm>
+            <a:off x="1" y="2730321"/>
+            <a:ext cx="12192000" cy="4127679"/>
+          </a:xfrm>
+          <a:prstGeom prst="rect">
+            <a:avLst/>
+          </a:prstGeom>
+        </p:spPr>
+      </p:pic>
+    </p:spTree>
+    <p:extLst>
+      <p:ext uri="{BB962C8B-B14F-4D97-AF65-F5344CB8AC3E}">
+        <p14:creationId xmlns:p14="http://schemas.microsoft.com/office/powerpoint/2010/main" val="1213769855"/>
+      </p:ext>
+    </p:extLst>
+  </p:cSld>
+  <p:clrMapOvr>
+    <a:masterClrMapping/>
+  </p:clrMapOvr>
+</p:sld>
+</file>
+
+<file path=ppt/slides/slide9.xml><?xml version="1.0" encoding="utf-8"?>
+<p:sld xmlns:a="http://schemas.openxmlformats.org/drawingml/2006/main" xmlns:r="http://schemas.openxmlformats.org/officeDocument/2006/relationships" xmlns:p="http://schemas.openxmlformats.org/presentationml/2006/main">
+  <p:cSld>
+    <p:spTree>
+      <p:nvGrpSpPr>
+        <p:cNvPr id="1" name="">
+          <a:extLst>
+            <a:ext uri="{FF2B5EF4-FFF2-40B4-BE49-F238E27FC236}">
+              <a16:creationId xmlns:a16="http://schemas.microsoft.com/office/drawing/2014/main" id="{30B5F20E-4494-8140-F35E-FF6F0595BDA4}"/>
+            </a:ext>
+          </a:extLst>
+        </p:cNvPr>
+        <p:cNvGrpSpPr/>
+        <p:nvPr/>
+      </p:nvGrpSpPr>
+      <p:grpSpPr>
+        <a:xfrm>
+          <a:off x="0" y="0"/>
+          <a:ext cx="0" cy="0"/>
+          <a:chOff x="0" y="0"/>
+          <a:chExt cx="0" cy="0"/>
+        </a:xfrm>
+      </p:grpSpPr>
+      <p:sp>
+        <p:nvSpPr>
+          <p:cNvPr id="2" name="Title 1">
+            <a:extLst>
+              <a:ext uri="{FF2B5EF4-FFF2-40B4-BE49-F238E27FC236}">
+                <a16:creationId xmlns:a16="http://schemas.microsoft.com/office/drawing/2014/main" id="{F14197B7-3DE7-7347-A92E-B6C6B54C913B}"/>
+              </a:ext>
+            </a:extLst>
+          </p:cNvPr>
+          <p:cNvSpPr>
+            <a:spLocks noGrp="1"/>
+          </p:cNvSpPr>
+          <p:nvPr>
+            <p:ph type="ctrTitle"/>
+          </p:nvPr>
+        </p:nvSpPr>
+        <p:spPr>
+          <a:xfrm>
+            <a:off x="1154955" y="346763"/>
+            <a:ext cx="8825658" cy="721874"/>
+          </a:xfrm>
+        </p:spPr>
+        <p:txBody>
+          <a:bodyPr/>
+          <a:lstStyle/>
+          <a:p>
+            <a:r>
+              <a:rPr lang="en-GB" sz="4000" dirty="0"/>
+              <a:t>Hypothesis Testing</a:t>
+            </a:r>
+          </a:p>
+        </p:txBody>
+      </p:sp>
+      <p:sp>
+        <p:nvSpPr>
+          <p:cNvPr id="6" name="TextBox 5">
+            <a:extLst>
+              <a:ext uri="{FF2B5EF4-FFF2-40B4-BE49-F238E27FC236}">
+                <a16:creationId xmlns:a16="http://schemas.microsoft.com/office/drawing/2014/main" id="{22BF9B94-CA1A-B26E-F05F-9A103898008F}"/>
+              </a:ext>
+            </a:extLst>
+          </p:cNvPr>
+          <p:cNvSpPr txBox="1"/>
+          <p:nvPr/>
+        </p:nvSpPr>
+        <p:spPr>
+          <a:xfrm>
+            <a:off x="1004552" y="1751527"/>
+            <a:ext cx="9234152" cy="2031325"/>
+          </a:xfrm>
+          <a:prstGeom prst="rect">
+            <a:avLst/>
+          </a:prstGeom>
+          <a:noFill/>
+        </p:spPr>
+        <p:txBody>
+          <a:bodyPr wrap="square" rtlCol="0">
+            <a:spAutoFit/>
+          </a:bodyPr>
+          <a:lstStyle/>
+          <a:p>
+            <a:r>
+              <a:rPr lang="en-GB" dirty="0"/>
+              <a:t>I applied ANOVA for hypothesis testing on years. </a:t>
+            </a:r>
+          </a:p>
+          <a:p>
+            <a:r>
+              <a:rPr lang="en-GB" dirty="0"/>
+              <a:t>Null hypothesis: Means of the years are same.</a:t>
+            </a:r>
+          </a:p>
+          <a:p>
+            <a:r>
+              <a:rPr lang="en-GB" dirty="0"/>
+              <a:t>Alternative hypothesis: Average duration of the years are same.</a:t>
+            </a:r>
+          </a:p>
+          <a:p>
+            <a:endParaRPr lang="en-GB" dirty="0"/>
+          </a:p>
+          <a:p>
+            <a:r>
+              <a:rPr lang="en-GB" dirty="0"/>
+              <a:t>p value : 1.1102-e16</a:t>
+            </a:r>
+          </a:p>
+          <a:p>
+            <a:endParaRPr lang="en-GB" dirty="0"/>
+          </a:p>
+          <a:p>
+            <a:r>
+              <a:rPr lang="en-GB" dirty="0"/>
+              <a:t>Since p &lt; 0.05  I rejected the null hypothesis</a:t>
+            </a:r>
+          </a:p>
+        </p:txBody>
+      </p:sp>
+    </p:spTree>
+    <p:extLst>
+      <p:ext uri="{BB962C8B-B14F-4D97-AF65-F5344CB8AC3E}">
+        <p14:creationId xmlns:p14="http://schemas.microsoft.com/office/powerpoint/2010/main" val="3247528720"/>
       </p:ext>
     </p:extLst>
   </p:cSld>
